--- a/presentations/Python.pptx
+++ b/presentations/Python.pptx
@@ -345,7 +345,7 @@
               <a:pPr>
                 <a:defRPr/>
               </a:pPr>
-              <a:t>27/03/2021</a:t>
+              <a:t>05/04/2021</a:t>
             </a:fld>
             <a:endParaRPr lang="en-US"/>
           </a:p>
@@ -644,7 +644,7 @@
               <a:pPr>
                 <a:defRPr/>
               </a:pPr>
-              <a:t>27/03/2021</a:t>
+              <a:t>05/04/2021</a:t>
             </a:fld>
             <a:endParaRPr lang="es-ES"/>
           </a:p>
@@ -13270,13 +13270,7 @@
               <a:rPr lang="en-US" sz="2900" dirty="0">
                 <a:latin typeface="+mn-lt"/>
               </a:rPr>
-              <a:t>In </a:t>
-            </a:r>
-            <a:r>
-              <a:rPr lang="en-US" sz="2900" dirty="0">
-                <a:latin typeface="+mn-lt"/>
-              </a:rPr>
-              <a:t>connection with this previous example, a common way of creating dictionaries in Python is by using the zip() method</a:t>
+              <a:t>In connection with this previous example, a common way of creating dictionaries in Python is by using the zip() method</a:t>
             </a:r>
             <a:endParaRPr lang="es-ES" sz="2900" dirty="0">
               <a:latin typeface="+mn-lt"/>
@@ -15342,19 +15336,7 @@
               <a:rPr lang="en-US" sz="2900" dirty="0">
                 <a:latin typeface="+mn-lt"/>
               </a:rPr>
-              <a:t>Python </a:t>
-            </a:r>
-            <a:r>
-              <a:rPr lang="en-US" sz="2900" dirty="0">
-                <a:latin typeface="+mn-lt"/>
-              </a:rPr>
-              <a:t>provides </a:t>
-            </a:r>
-            <a:r>
-              <a:rPr lang="en-US" sz="2900" dirty="0">
-                <a:latin typeface="+mn-lt"/>
-              </a:rPr>
-              <a:t>following types of loops to handle looping </a:t>
+              <a:t>Python provides following types of loops to handle looping </a:t>
             </a:r>
             <a:r>
               <a:rPr lang="en-US" sz="2900" dirty="0" smtClean="0">
@@ -15824,13 +15806,7 @@
               <a:rPr lang="en-US" sz="2900" dirty="0">
                 <a:latin typeface="+mn-lt"/>
               </a:rPr>
-              <a:t>Functions are a way to modularize reusable pieces of code. </a:t>
-            </a:r>
-            <a:r>
-              <a:rPr lang="en-US" sz="2900" dirty="0">
-                <a:latin typeface="+mn-lt"/>
-              </a:rPr>
-              <a:t>They are defined by the keyword </a:t>
+              <a:t>Functions are a way to modularize reusable pieces of code. They are defined by the keyword </a:t>
             </a:r>
             <a:r>
               <a:rPr lang="en-US" sz="2900" dirty="0" err="1" smtClean="0">
@@ -16525,13 +16501,7 @@
               <a:rPr lang="en-US" sz="2900" dirty="0">
                 <a:latin typeface="+mn-lt"/>
               </a:rPr>
-              <a:t>Classes provide a means of bundling data and functionality together. </a:t>
-            </a:r>
-            <a:r>
-              <a:rPr lang="en-US" sz="2900" dirty="0">
-                <a:latin typeface="+mn-lt"/>
-              </a:rPr>
-              <a:t>Creating a new class creates a new type of object, allowing new instances of that type to be </a:t>
+              <a:t>Classes provide a means of bundling data and functionality together. Creating a new class creates a new type of object, allowing new instances of that type to be </a:t>
             </a:r>
             <a:r>
               <a:rPr lang="en-US" sz="2900" dirty="0" smtClean="0">
@@ -16966,12 +16936,6 @@
               </a:rPr>
               <a:t>() </a:t>
             </a:r>
-            <a:endParaRPr lang="en-US" dirty="0">
-              <a:solidFill>
-                <a:srgbClr val="000000"/>
-              </a:solidFill>
-              <a:latin typeface="Courier New" panose="02070309020205020404" pitchFamily="49" charset="0"/>
-            </a:endParaRPr>
           </a:p>
         </p:txBody>
       </p:sp>
@@ -17477,43 +17441,6 @@
       </p:pic>
       <p:sp>
         <p:nvSpPr>
-          <p:cNvPr id="8" name="Rectángulo 7"/>
-          <p:cNvSpPr/>
-          <p:nvPr/>
-        </p:nvSpPr>
-        <p:spPr>
-          <a:xfrm>
-            <a:off x="1371600" y="3300663"/>
-            <a:ext cx="3745321" cy="369332"/>
-          </a:xfrm>
-          <a:prstGeom prst="rect">
-            <a:avLst/>
-          </a:prstGeom>
-        </p:spPr>
-        <p:txBody>
-          <a:bodyPr wrap="none">
-            <a:spAutoFit/>
-          </a:bodyPr>
-          <a:lstStyle/>
-          <a:p>
-            <a:r>
-              <a:rPr lang="es-ES" b="1" dirty="0"/>
-              <a:t>Notebook</a:t>
-            </a:r>
-            <a:r>
-              <a:rPr lang="es-ES" b="1" dirty="0"/>
-              <a:t>: </a:t>
-            </a:r>
-            <a:r>
-              <a:rPr lang="es-ES" b="1" dirty="0" err="1"/>
-              <a:t>python_introduction.ipynb</a:t>
-            </a:r>
-            <a:endParaRPr lang="es-ES" b="1" dirty="0"/>
-          </a:p>
-        </p:txBody>
-      </p:sp>
-      <p:sp>
-        <p:nvSpPr>
           <p:cNvPr id="10" name="Rectángulo 9"/>
           <p:cNvSpPr/>
           <p:nvPr/>
@@ -17638,8 +17565,8 @@
         </p:nvSpPr>
         <p:spPr>
           <a:xfrm>
-            <a:off x="2247459" y="4077072"/>
-            <a:ext cx="6589240" cy="923330"/>
+            <a:off x="2247459" y="4283379"/>
+            <a:ext cx="6589240" cy="369332"/>
           </a:xfrm>
           <a:prstGeom prst="rect">
             <a:avLst/>
@@ -17655,133 +17582,7 @@
               <a:rPr lang="es-ES" dirty="0" err="1">
                 <a:hlinkClick r:id="rId6"/>
               </a:rPr>
-              <a:t>computer</a:t>
-            </a:r>
-            <a:r>
-              <a:rPr lang="es-ES" dirty="0">
-                <a:hlinkClick r:id="rId6"/>
-              </a:rPr>
-              <a:t>-</a:t>
-            </a:r>
-            <a:r>
-              <a:rPr lang="es-ES" dirty="0" err="1">
-                <a:hlinkClick r:id="rId6"/>
-              </a:rPr>
-              <a:t>vision</a:t>
-            </a:r>
-            <a:r>
-              <a:rPr lang="es-ES" dirty="0">
-                <a:hlinkClick r:id="rId6"/>
-              </a:rPr>
-              <a:t>-and-</a:t>
-            </a:r>
-            <a:r>
-              <a:rPr lang="es-ES" dirty="0" err="1">
-                <a:hlinkClick r:id="rId6"/>
-              </a:rPr>
-              <a:t>deep</a:t>
-            </a:r>
-            <a:r>
-              <a:rPr lang="es-ES" dirty="0">
-                <a:hlinkClick r:id="rId6"/>
-              </a:rPr>
-              <a:t>-</a:t>
-            </a:r>
-            <a:r>
-              <a:rPr lang="es-ES" dirty="0" err="1">
-                <a:hlinkClick r:id="rId6"/>
-              </a:rPr>
-              <a:t>learning-course</a:t>
-            </a:r>
-            <a:r>
-              <a:rPr lang="es-ES" dirty="0">
-                <a:hlinkClick r:id="rId6"/>
-              </a:rPr>
-              <a:t>/</a:t>
-            </a:r>
-            <a:r>
-              <a:rPr lang="es-ES" dirty="0" err="1">
-                <a:hlinkClick r:id="rId6"/>
-              </a:rPr>
               <a:t>python_introduction.ipynb</a:t>
-            </a:r>
-            <a:r>
-              <a:rPr lang="es-ES" dirty="0">
-                <a:hlinkClick r:id="rId6"/>
-              </a:rPr>
-              <a:t> at </a:t>
-            </a:r>
-            <a:r>
-              <a:rPr lang="es-ES" dirty="0" err="1">
-                <a:hlinkClick r:id="rId6"/>
-              </a:rPr>
-              <a:t>main</a:t>
-            </a:r>
-            <a:r>
-              <a:rPr lang="es-ES" dirty="0">
-                <a:hlinkClick r:id="rId6"/>
-              </a:rPr>
-              <a:t> · </a:t>
-            </a:r>
-            <a:r>
-              <a:rPr lang="es-ES" dirty="0" err="1">
-                <a:hlinkClick r:id="rId6"/>
-              </a:rPr>
-              <a:t>albertofernandezvillan</a:t>
-            </a:r>
-            <a:r>
-              <a:rPr lang="es-ES" dirty="0">
-                <a:hlinkClick r:id="rId6"/>
-              </a:rPr>
-              <a:t>/</a:t>
-            </a:r>
-            <a:r>
-              <a:rPr lang="es-ES" dirty="0" err="1">
-                <a:hlinkClick r:id="rId6"/>
-              </a:rPr>
-              <a:t>computer</a:t>
-            </a:r>
-            <a:r>
-              <a:rPr lang="es-ES" dirty="0">
-                <a:hlinkClick r:id="rId6"/>
-              </a:rPr>
-              <a:t>-</a:t>
-            </a:r>
-            <a:r>
-              <a:rPr lang="es-ES" dirty="0" err="1">
-                <a:hlinkClick r:id="rId6"/>
-              </a:rPr>
-              <a:t>vision</a:t>
-            </a:r>
-            <a:r>
-              <a:rPr lang="es-ES" dirty="0">
-                <a:hlinkClick r:id="rId6"/>
-              </a:rPr>
-              <a:t>-and-</a:t>
-            </a:r>
-            <a:r>
-              <a:rPr lang="es-ES" dirty="0" err="1">
-                <a:hlinkClick r:id="rId6"/>
-              </a:rPr>
-              <a:t>deep</a:t>
-            </a:r>
-            <a:r>
-              <a:rPr lang="es-ES" dirty="0">
-                <a:hlinkClick r:id="rId6"/>
-              </a:rPr>
-              <a:t>-</a:t>
-            </a:r>
-            <a:r>
-              <a:rPr lang="es-ES" dirty="0" err="1">
-                <a:hlinkClick r:id="rId6"/>
-              </a:rPr>
-              <a:t>learning-course</a:t>
-            </a:r>
-            <a:r>
-              <a:rPr lang="es-ES" dirty="0">
-                <a:hlinkClick r:id="rId6"/>
-              </a:rPr>
-              <a:t> (github.com)</a:t>
             </a:r>
             <a:endParaRPr lang="es-ES" dirty="0"/>
           </a:p>
@@ -17813,24 +17614,6 @@
                 <a:hlinkClick r:id="rId7"/>
               </a:rPr>
               <a:t>python_introduction.ipynb</a:t>
-            </a:r>
-            <a:r>
-              <a:rPr lang="es-ES" dirty="0">
-                <a:hlinkClick r:id="rId7"/>
-              </a:rPr>
-              <a:t> - </a:t>
-            </a:r>
-            <a:r>
-              <a:rPr lang="es-ES" dirty="0" err="1">
-                <a:hlinkClick r:id="rId7"/>
-              </a:rPr>
-              <a:t>Colaboratory</a:t>
-            </a:r>
-            <a:r>
-              <a:rPr lang="es-ES" dirty="0">
-                <a:hlinkClick r:id="rId7"/>
-              </a:rPr>
-              <a:t> (google.com)</a:t>
             </a:r>
             <a:endParaRPr lang="es-ES" dirty="0"/>
           </a:p>
@@ -19500,13 +19283,7 @@
               <a:rPr lang="en-US" sz="2900" dirty="0">
                 <a:latin typeface="+mn-lt"/>
               </a:rPr>
-              <a:t>In python, we can import modules, which provide specific functions. </a:t>
-            </a:r>
-            <a:r>
-              <a:rPr lang="en-US" sz="2900" dirty="0">
-                <a:latin typeface="+mn-lt"/>
-              </a:rPr>
-              <a:t>For example, we can import math module, which provides access to the mathematical </a:t>
+              <a:t>In python, we can import modules, which provide specific functions. For example, we can import math module, which provides access to the mathematical </a:t>
             </a:r>
             <a:r>
               <a:rPr lang="en-US" sz="2900" dirty="0" smtClean="0">
@@ -19846,25 +19623,7 @@
               <a:rPr lang="en-US" sz="2900" dirty="0">
                 <a:latin typeface="+mn-lt"/>
               </a:rPr>
-              <a:t>Python provides </a:t>
-            </a:r>
-            <a:r>
-              <a:rPr lang="en-US" sz="2900" dirty="0">
-                <a:latin typeface="+mn-lt"/>
-              </a:rPr>
-              <a:t>4 built-in data types in </a:t>
-            </a:r>
-            <a:r>
-              <a:rPr lang="en-US" sz="2900" dirty="0">
-                <a:latin typeface="+mn-lt"/>
-              </a:rPr>
-              <a:t>used </a:t>
-            </a:r>
-            <a:r>
-              <a:rPr lang="en-US" sz="2900" dirty="0">
-                <a:latin typeface="+mn-lt"/>
-              </a:rPr>
-              <a:t>to store </a:t>
+              <a:t>Python provides 4 built-in data types in used to store </a:t>
             </a:r>
             <a:r>
               <a:rPr lang="en-US" sz="2900" b="1" dirty="0">
